--- a/lectures/18.solid/Принципы SOLID1.pptx
+++ b/lectures/18.solid/Принципы SOLID1.pptx
@@ -273,7 +273,7 @@
           <a:p>
             <a:fld id="{1F452FF6-3607-4C4E-A116-BCC07DF7B9AE}" type="datetimeFigureOut">
               <a:rPr lang="ru-RU" smtClean="0"/>
-              <a:t>08.06.2018</a:t>
+              <a:t>23.04.2019</a:t>
             </a:fld>
             <a:endParaRPr lang="ru-RU"/>
           </a:p>
@@ -1427,7 +1427,19 @@
             </a:r>
             <a:r>
               <a:rPr lang="ru-RU" dirty="0" smtClean="0"/>
-              <a:t>Барбара Лисков - американский учёный в области информатики, создатель</a:t>
+              <a:t>Барбара Лисков - американский учёный в области информатики, </a:t>
+            </a:r>
+            <a:r>
+              <a:rPr lang="ru-RU" dirty="0" smtClean="0"/>
+              <a:t>исследователь проблемы</a:t>
+            </a:r>
+            <a:r>
+              <a:rPr lang="ru-RU" baseline="0" dirty="0" smtClean="0"/>
+              <a:t> абстракции данных, </a:t>
+            </a:r>
+            <a:r>
+              <a:rPr lang="ru-RU" dirty="0" smtClean="0"/>
+              <a:t>создатель</a:t>
             </a:r>
             <a:r>
               <a:rPr lang="ru-RU" baseline="0" dirty="0" smtClean="0"/>
@@ -2283,11 +2295,7 @@
             </a:r>
             <a:r>
               <a:rPr lang="ru-RU" baseline="0" dirty="0" smtClean="0"/>
-              <a:t>. </a:t>
-            </a:r>
-            <a:r>
-              <a:rPr lang="ru-RU" baseline="0" dirty="0" smtClean="0"/>
-              <a:t>У нас есть два интерфейса, позволяющие рисовать линии – в старом стиле </a:t>
+              <a:t>. У нас есть два интерфейса, позволяющие рисовать линии – в старом стиле </a:t>
             </a:r>
             <a:r>
               <a:rPr lang="en-US" baseline="0" dirty="0" err="1" smtClean="0"/>
@@ -7976,7 +7984,7 @@
           <a:p>
             <a:fld id="{955B8494-3BC4-476A-8180-C7D531D1BDE9}" type="datetime1">
               <a:rPr lang="ru-RU" smtClean="0"/>
-              <a:t>08.06.2018</a:t>
+              <a:t>23.04.2019</a:t>
             </a:fld>
             <a:endParaRPr lang="ru-RU"/>
           </a:p>
@@ -8146,7 +8154,7 @@
           <a:p>
             <a:fld id="{896BD083-5DC9-4DDD-99DA-87E972459BE3}" type="datetime1">
               <a:rPr lang="ru-RU" smtClean="0"/>
-              <a:t>08.06.2018</a:t>
+              <a:t>23.04.2019</a:t>
             </a:fld>
             <a:endParaRPr lang="ru-RU"/>
           </a:p>
@@ -8326,7 +8334,7 @@
           <a:p>
             <a:fld id="{B6EA1591-1064-4C12-A3F3-9E222C1602E4}" type="datetime1">
               <a:rPr lang="ru-RU" smtClean="0"/>
-              <a:t>08.06.2018</a:t>
+              <a:t>23.04.2019</a:t>
             </a:fld>
             <a:endParaRPr lang="ru-RU"/>
           </a:p>
@@ -8496,7 +8504,7 @@
           <a:p>
             <a:fld id="{3EADD36C-E1EE-433A-85C1-8AB557831B59}" type="datetime1">
               <a:rPr lang="ru-RU" smtClean="0"/>
-              <a:t>08.06.2018</a:t>
+              <a:t>23.04.2019</a:t>
             </a:fld>
             <a:endParaRPr lang="ru-RU"/>
           </a:p>
@@ -8742,7 +8750,7 @@
           <a:p>
             <a:fld id="{F1E52A6F-751B-4577-A656-6A26D16D5D73}" type="datetime1">
               <a:rPr lang="ru-RU" smtClean="0"/>
-              <a:t>08.06.2018</a:t>
+              <a:t>23.04.2019</a:t>
             </a:fld>
             <a:endParaRPr lang="ru-RU"/>
           </a:p>
@@ -8974,7 +8982,7 @@
           <a:p>
             <a:fld id="{89C84D38-0A16-4A00-84F3-995FB60A1A24}" type="datetime1">
               <a:rPr lang="ru-RU" smtClean="0"/>
-              <a:t>08.06.2018</a:t>
+              <a:t>23.04.2019</a:t>
             </a:fld>
             <a:endParaRPr lang="ru-RU"/>
           </a:p>
@@ -9341,7 +9349,7 @@
           <a:p>
             <a:fld id="{B111A698-E52A-4D93-9D0B-B26B973770CA}" type="datetime1">
               <a:rPr lang="ru-RU" smtClean="0"/>
-              <a:t>08.06.2018</a:t>
+              <a:t>23.04.2019</a:t>
             </a:fld>
             <a:endParaRPr lang="ru-RU"/>
           </a:p>
@@ -9459,7 +9467,7 @@
           <a:p>
             <a:fld id="{C0BCB9B2-13AF-492A-A8D5-A78E42E45C90}" type="datetime1">
               <a:rPr lang="ru-RU" smtClean="0"/>
-              <a:t>08.06.2018</a:t>
+              <a:t>23.04.2019</a:t>
             </a:fld>
             <a:endParaRPr lang="ru-RU"/>
           </a:p>
@@ -9554,7 +9562,7 @@
           <a:p>
             <a:fld id="{368E88DF-F7A1-4621-9321-DD92F290BCA2}" type="datetime1">
               <a:rPr lang="ru-RU" smtClean="0"/>
-              <a:t>08.06.2018</a:t>
+              <a:t>23.04.2019</a:t>
             </a:fld>
             <a:endParaRPr lang="ru-RU"/>
           </a:p>
@@ -9831,7 +9839,7 @@
           <a:p>
             <a:fld id="{B178670F-7223-45BA-8607-F009D6E07C98}" type="datetime1">
               <a:rPr lang="ru-RU" smtClean="0"/>
-              <a:t>08.06.2018</a:t>
+              <a:t>23.04.2019</a:t>
             </a:fld>
             <a:endParaRPr lang="ru-RU"/>
           </a:p>
@@ -10084,7 +10092,7 @@
           <a:p>
             <a:fld id="{0E94A463-41EE-4B69-9D4D-FCEF376903A8}" type="datetime1">
               <a:rPr lang="ru-RU" smtClean="0"/>
-              <a:t>08.06.2018</a:t>
+              <a:t>23.04.2019</a:t>
             </a:fld>
             <a:endParaRPr lang="ru-RU"/>
           </a:p>
@@ -10297,7 +10305,7 @@
           <a:p>
             <a:fld id="{A898E17F-A256-4882-B4AC-587C535C0026}" type="datetime1">
               <a:rPr lang="ru-RU" smtClean="0"/>
-              <a:t>08.06.2018</a:t>
+              <a:t>23.04.2019</a:t>
             </a:fld>
             <a:endParaRPr lang="ru-RU"/>
           </a:p>
@@ -12209,9 +12217,529 @@
   <p:timing>
     <p:tnLst>
       <p:par>
-        <p:cTn id="1" dur="indefinite" restart="never" nodeType="tmRoot"/>
+        <p:cTn id="1" dur="indefinite" restart="never" nodeType="tmRoot">
+          <p:childTnLst>
+            <p:seq concurrent="1" nextAc="seek">
+              <p:cTn id="2" dur="indefinite" nodeType="mainSeq">
+                <p:childTnLst>
+                  <p:par>
+                    <p:cTn id="3" fill="hold">
+                      <p:stCondLst>
+                        <p:cond delay="indefinite"/>
+                      </p:stCondLst>
+                      <p:childTnLst>
+                        <p:par>
+                          <p:cTn id="4" fill="hold">
+                            <p:stCondLst>
+                              <p:cond delay="0"/>
+                            </p:stCondLst>
+                            <p:childTnLst>
+                              <p:par>
+                                <p:cTn id="5" presetID="10" presetClass="entr" presetSubtype="0" fill="hold" grpId="0" nodeType="clickEffect">
+                                  <p:stCondLst>
+                                    <p:cond delay="0"/>
+                                  </p:stCondLst>
+                                  <p:childTnLst>
+                                    <p:set>
+                                      <p:cBhvr>
+                                        <p:cTn id="6" dur="1" fill="hold">
+                                          <p:stCondLst>
+                                            <p:cond delay="0"/>
+                                          </p:stCondLst>
+                                        </p:cTn>
+                                        <p:tgtEl>
+                                          <p:spTgt spid="3"/>
+                                        </p:tgtEl>
+                                        <p:attrNameLst>
+                                          <p:attrName>style.visibility</p:attrName>
+                                        </p:attrNameLst>
+                                      </p:cBhvr>
+                                      <p:to>
+                                        <p:strVal val="visible"/>
+                                      </p:to>
+                                    </p:set>
+                                    <p:animEffect transition="in" filter="fade">
+                                      <p:cBhvr>
+                                        <p:cTn id="7" dur="500"/>
+                                        <p:tgtEl>
+                                          <p:spTgt spid="3"/>
+                                        </p:tgtEl>
+                                      </p:cBhvr>
+                                    </p:animEffect>
+                                  </p:childTnLst>
+                                </p:cTn>
+                              </p:par>
+                            </p:childTnLst>
+                          </p:cTn>
+                        </p:par>
+                      </p:childTnLst>
+                    </p:cTn>
+                  </p:par>
+                  <p:par>
+                    <p:cTn id="8" fill="hold">
+                      <p:stCondLst>
+                        <p:cond delay="indefinite"/>
+                      </p:stCondLst>
+                      <p:childTnLst>
+                        <p:par>
+                          <p:cTn id="9" fill="hold">
+                            <p:stCondLst>
+                              <p:cond delay="0"/>
+                            </p:stCondLst>
+                            <p:childTnLst>
+                              <p:par>
+                                <p:cTn id="10" presetID="10" presetClass="entr" presetSubtype="0" fill="hold" nodeType="clickEffect">
+                                  <p:stCondLst>
+                                    <p:cond delay="0"/>
+                                  </p:stCondLst>
+                                  <p:childTnLst>
+                                    <p:set>
+                                      <p:cBhvr>
+                                        <p:cTn id="11" dur="1" fill="hold">
+                                          <p:stCondLst>
+                                            <p:cond delay="0"/>
+                                          </p:stCondLst>
+                                        </p:cTn>
+                                        <p:tgtEl>
+                                          <p:spTgt spid="4">
+                                            <p:txEl>
+                                              <p:pRg st="12" end="12"/>
+                                            </p:txEl>
+                                          </p:spTgt>
+                                        </p:tgtEl>
+                                        <p:attrNameLst>
+                                          <p:attrName>style.visibility</p:attrName>
+                                        </p:attrNameLst>
+                                      </p:cBhvr>
+                                      <p:to>
+                                        <p:strVal val="visible"/>
+                                      </p:to>
+                                    </p:set>
+                                    <p:animEffect transition="in" filter="fade">
+                                      <p:cBhvr>
+                                        <p:cTn id="12" dur="500"/>
+                                        <p:tgtEl>
+                                          <p:spTgt spid="4">
+                                            <p:txEl>
+                                              <p:pRg st="12" end="12"/>
+                                            </p:txEl>
+                                          </p:spTgt>
+                                        </p:tgtEl>
+                                      </p:cBhvr>
+                                    </p:animEffect>
+                                  </p:childTnLst>
+                                </p:cTn>
+                              </p:par>
+                              <p:par>
+                                <p:cTn id="13" presetID="10" presetClass="entr" presetSubtype="0" fill="hold" nodeType="withEffect">
+                                  <p:stCondLst>
+                                    <p:cond delay="0"/>
+                                  </p:stCondLst>
+                                  <p:childTnLst>
+                                    <p:set>
+                                      <p:cBhvr>
+                                        <p:cTn id="14" dur="1" fill="hold">
+                                          <p:stCondLst>
+                                            <p:cond delay="0"/>
+                                          </p:stCondLst>
+                                        </p:cTn>
+                                        <p:tgtEl>
+                                          <p:spTgt spid="4">
+                                            <p:txEl>
+                                              <p:pRg st="13" end="13"/>
+                                            </p:txEl>
+                                          </p:spTgt>
+                                        </p:tgtEl>
+                                        <p:attrNameLst>
+                                          <p:attrName>style.visibility</p:attrName>
+                                        </p:attrNameLst>
+                                      </p:cBhvr>
+                                      <p:to>
+                                        <p:strVal val="visible"/>
+                                      </p:to>
+                                    </p:set>
+                                    <p:animEffect transition="in" filter="fade">
+                                      <p:cBhvr>
+                                        <p:cTn id="15" dur="500"/>
+                                        <p:tgtEl>
+                                          <p:spTgt spid="4">
+                                            <p:txEl>
+                                              <p:pRg st="13" end="13"/>
+                                            </p:txEl>
+                                          </p:spTgt>
+                                        </p:tgtEl>
+                                      </p:cBhvr>
+                                    </p:animEffect>
+                                  </p:childTnLst>
+                                </p:cTn>
+                              </p:par>
+                            </p:childTnLst>
+                          </p:cTn>
+                        </p:par>
+                      </p:childTnLst>
+                    </p:cTn>
+                  </p:par>
+                  <p:par>
+                    <p:cTn id="16" fill="hold">
+                      <p:stCondLst>
+                        <p:cond delay="indefinite"/>
+                      </p:stCondLst>
+                      <p:childTnLst>
+                        <p:par>
+                          <p:cTn id="17" fill="hold">
+                            <p:stCondLst>
+                              <p:cond delay="0"/>
+                            </p:stCondLst>
+                            <p:childTnLst>
+                              <p:par>
+                                <p:cTn id="18" presetID="10" presetClass="entr" presetSubtype="0" fill="hold" nodeType="clickEffect">
+                                  <p:stCondLst>
+                                    <p:cond delay="0"/>
+                                  </p:stCondLst>
+                                  <p:childTnLst>
+                                    <p:set>
+                                      <p:cBhvr>
+                                        <p:cTn id="19" dur="1" fill="hold">
+                                          <p:stCondLst>
+                                            <p:cond delay="0"/>
+                                          </p:stCondLst>
+                                        </p:cTn>
+                                        <p:tgtEl>
+                                          <p:spTgt spid="4">
+                                            <p:txEl>
+                                              <p:pRg st="15" end="15"/>
+                                            </p:txEl>
+                                          </p:spTgt>
+                                        </p:tgtEl>
+                                        <p:attrNameLst>
+                                          <p:attrName>style.visibility</p:attrName>
+                                        </p:attrNameLst>
+                                      </p:cBhvr>
+                                      <p:to>
+                                        <p:strVal val="visible"/>
+                                      </p:to>
+                                    </p:set>
+                                    <p:animEffect transition="in" filter="fade">
+                                      <p:cBhvr>
+                                        <p:cTn id="20" dur="500"/>
+                                        <p:tgtEl>
+                                          <p:spTgt spid="4">
+                                            <p:txEl>
+                                              <p:pRg st="15" end="15"/>
+                                            </p:txEl>
+                                          </p:spTgt>
+                                        </p:tgtEl>
+                                      </p:cBhvr>
+                                    </p:animEffect>
+                                  </p:childTnLst>
+                                </p:cTn>
+                              </p:par>
+                              <p:par>
+                                <p:cTn id="21" presetID="10" presetClass="entr" presetSubtype="0" fill="hold" nodeType="withEffect">
+                                  <p:stCondLst>
+                                    <p:cond delay="0"/>
+                                  </p:stCondLst>
+                                  <p:childTnLst>
+                                    <p:set>
+                                      <p:cBhvr>
+                                        <p:cTn id="22" dur="1" fill="hold">
+                                          <p:stCondLst>
+                                            <p:cond delay="0"/>
+                                          </p:stCondLst>
+                                        </p:cTn>
+                                        <p:tgtEl>
+                                          <p:spTgt spid="4">
+                                            <p:txEl>
+                                              <p:pRg st="16" end="16"/>
+                                            </p:txEl>
+                                          </p:spTgt>
+                                        </p:tgtEl>
+                                        <p:attrNameLst>
+                                          <p:attrName>style.visibility</p:attrName>
+                                        </p:attrNameLst>
+                                      </p:cBhvr>
+                                      <p:to>
+                                        <p:strVal val="visible"/>
+                                      </p:to>
+                                    </p:set>
+                                    <p:animEffect transition="in" filter="fade">
+                                      <p:cBhvr>
+                                        <p:cTn id="23" dur="500"/>
+                                        <p:tgtEl>
+                                          <p:spTgt spid="4">
+                                            <p:txEl>
+                                              <p:pRg st="16" end="16"/>
+                                            </p:txEl>
+                                          </p:spTgt>
+                                        </p:tgtEl>
+                                      </p:cBhvr>
+                                    </p:animEffect>
+                                  </p:childTnLst>
+                                </p:cTn>
+                              </p:par>
+                            </p:childTnLst>
+                          </p:cTn>
+                        </p:par>
+                      </p:childTnLst>
+                    </p:cTn>
+                  </p:par>
+                  <p:par>
+                    <p:cTn id="24" fill="hold">
+                      <p:stCondLst>
+                        <p:cond delay="indefinite"/>
+                      </p:stCondLst>
+                      <p:childTnLst>
+                        <p:par>
+                          <p:cTn id="25" fill="hold">
+                            <p:stCondLst>
+                              <p:cond delay="0"/>
+                            </p:stCondLst>
+                            <p:childTnLst>
+                              <p:par>
+                                <p:cTn id="26" presetID="10" presetClass="entr" presetSubtype="0" fill="hold" nodeType="clickEffect">
+                                  <p:stCondLst>
+                                    <p:cond delay="0"/>
+                                  </p:stCondLst>
+                                  <p:childTnLst>
+                                    <p:set>
+                                      <p:cBhvr>
+                                        <p:cTn id="27" dur="1" fill="hold">
+                                          <p:stCondLst>
+                                            <p:cond delay="0"/>
+                                          </p:stCondLst>
+                                        </p:cTn>
+                                        <p:tgtEl>
+                                          <p:spTgt spid="4">
+                                            <p:txEl>
+                                              <p:pRg st="6" end="6"/>
+                                            </p:txEl>
+                                          </p:spTgt>
+                                        </p:tgtEl>
+                                        <p:attrNameLst>
+                                          <p:attrName>style.visibility</p:attrName>
+                                        </p:attrNameLst>
+                                      </p:cBhvr>
+                                      <p:to>
+                                        <p:strVal val="visible"/>
+                                      </p:to>
+                                    </p:set>
+                                    <p:animEffect transition="in" filter="fade">
+                                      <p:cBhvr>
+                                        <p:cTn id="28" dur="500"/>
+                                        <p:tgtEl>
+                                          <p:spTgt spid="4">
+                                            <p:txEl>
+                                              <p:pRg st="6" end="6"/>
+                                            </p:txEl>
+                                          </p:spTgt>
+                                        </p:tgtEl>
+                                      </p:cBhvr>
+                                    </p:animEffect>
+                                  </p:childTnLst>
+                                </p:cTn>
+                              </p:par>
+                              <p:par>
+                                <p:cTn id="29" presetID="10" presetClass="entr" presetSubtype="0" fill="hold" nodeType="withEffect">
+                                  <p:stCondLst>
+                                    <p:cond delay="0"/>
+                                  </p:stCondLst>
+                                  <p:childTnLst>
+                                    <p:set>
+                                      <p:cBhvr>
+                                        <p:cTn id="30" dur="1" fill="hold">
+                                          <p:stCondLst>
+                                            <p:cond delay="0"/>
+                                          </p:stCondLst>
+                                        </p:cTn>
+                                        <p:tgtEl>
+                                          <p:spTgt spid="4">
+                                            <p:txEl>
+                                              <p:pRg st="7" end="7"/>
+                                            </p:txEl>
+                                          </p:spTgt>
+                                        </p:tgtEl>
+                                        <p:attrNameLst>
+                                          <p:attrName>style.visibility</p:attrName>
+                                        </p:attrNameLst>
+                                      </p:cBhvr>
+                                      <p:to>
+                                        <p:strVal val="visible"/>
+                                      </p:to>
+                                    </p:set>
+                                    <p:animEffect transition="in" filter="fade">
+                                      <p:cBhvr>
+                                        <p:cTn id="31" dur="500"/>
+                                        <p:tgtEl>
+                                          <p:spTgt spid="4">
+                                            <p:txEl>
+                                              <p:pRg st="7" end="7"/>
+                                            </p:txEl>
+                                          </p:spTgt>
+                                        </p:tgtEl>
+                                      </p:cBhvr>
+                                    </p:animEffect>
+                                  </p:childTnLst>
+                                </p:cTn>
+                              </p:par>
+                              <p:par>
+                                <p:cTn id="32" presetID="10" presetClass="entr" presetSubtype="0" fill="hold" nodeType="withEffect">
+                                  <p:stCondLst>
+                                    <p:cond delay="0"/>
+                                  </p:stCondLst>
+                                  <p:childTnLst>
+                                    <p:set>
+                                      <p:cBhvr>
+                                        <p:cTn id="33" dur="1" fill="hold">
+                                          <p:stCondLst>
+                                            <p:cond delay="0"/>
+                                          </p:stCondLst>
+                                        </p:cTn>
+                                        <p:tgtEl>
+                                          <p:spTgt spid="4">
+                                            <p:txEl>
+                                              <p:pRg st="8" end="8"/>
+                                            </p:txEl>
+                                          </p:spTgt>
+                                        </p:tgtEl>
+                                        <p:attrNameLst>
+                                          <p:attrName>style.visibility</p:attrName>
+                                        </p:attrNameLst>
+                                      </p:cBhvr>
+                                      <p:to>
+                                        <p:strVal val="visible"/>
+                                      </p:to>
+                                    </p:set>
+                                    <p:animEffect transition="in" filter="fade">
+                                      <p:cBhvr>
+                                        <p:cTn id="34" dur="500"/>
+                                        <p:tgtEl>
+                                          <p:spTgt spid="4">
+                                            <p:txEl>
+                                              <p:pRg st="8" end="8"/>
+                                            </p:txEl>
+                                          </p:spTgt>
+                                        </p:tgtEl>
+                                      </p:cBhvr>
+                                    </p:animEffect>
+                                  </p:childTnLst>
+                                </p:cTn>
+                              </p:par>
+                              <p:par>
+                                <p:cTn id="35" presetID="10" presetClass="entr" presetSubtype="0" fill="hold" nodeType="withEffect">
+                                  <p:stCondLst>
+                                    <p:cond delay="0"/>
+                                  </p:stCondLst>
+                                  <p:childTnLst>
+                                    <p:set>
+                                      <p:cBhvr>
+                                        <p:cTn id="36" dur="1" fill="hold">
+                                          <p:stCondLst>
+                                            <p:cond delay="0"/>
+                                          </p:stCondLst>
+                                        </p:cTn>
+                                        <p:tgtEl>
+                                          <p:spTgt spid="4">
+                                            <p:txEl>
+                                              <p:pRg st="9" end="9"/>
+                                            </p:txEl>
+                                          </p:spTgt>
+                                        </p:tgtEl>
+                                        <p:attrNameLst>
+                                          <p:attrName>style.visibility</p:attrName>
+                                        </p:attrNameLst>
+                                      </p:cBhvr>
+                                      <p:to>
+                                        <p:strVal val="visible"/>
+                                      </p:to>
+                                    </p:set>
+                                    <p:animEffect transition="in" filter="fade">
+                                      <p:cBhvr>
+                                        <p:cTn id="37" dur="500"/>
+                                        <p:tgtEl>
+                                          <p:spTgt spid="4">
+                                            <p:txEl>
+                                              <p:pRg st="9" end="9"/>
+                                            </p:txEl>
+                                          </p:spTgt>
+                                        </p:tgtEl>
+                                      </p:cBhvr>
+                                    </p:animEffect>
+                                  </p:childTnLst>
+                                </p:cTn>
+                              </p:par>
+                              <p:par>
+                                <p:cTn id="38" presetID="10" presetClass="entr" presetSubtype="0" fill="hold" nodeType="withEffect">
+                                  <p:stCondLst>
+                                    <p:cond delay="0"/>
+                                  </p:stCondLst>
+                                  <p:childTnLst>
+                                    <p:set>
+                                      <p:cBhvr>
+                                        <p:cTn id="39" dur="1" fill="hold">
+                                          <p:stCondLst>
+                                            <p:cond delay="0"/>
+                                          </p:stCondLst>
+                                        </p:cTn>
+                                        <p:tgtEl>
+                                          <p:spTgt spid="4">
+                                            <p:txEl>
+                                              <p:pRg st="10" end="10"/>
+                                            </p:txEl>
+                                          </p:spTgt>
+                                        </p:tgtEl>
+                                        <p:attrNameLst>
+                                          <p:attrName>style.visibility</p:attrName>
+                                        </p:attrNameLst>
+                                      </p:cBhvr>
+                                      <p:to>
+                                        <p:strVal val="visible"/>
+                                      </p:to>
+                                    </p:set>
+                                    <p:animEffect transition="in" filter="fade">
+                                      <p:cBhvr>
+                                        <p:cTn id="40" dur="500"/>
+                                        <p:tgtEl>
+                                          <p:spTgt spid="4">
+                                            <p:txEl>
+                                              <p:pRg st="10" end="10"/>
+                                            </p:txEl>
+                                          </p:spTgt>
+                                        </p:tgtEl>
+                                      </p:cBhvr>
+                                    </p:animEffect>
+                                  </p:childTnLst>
+                                </p:cTn>
+                              </p:par>
+                            </p:childTnLst>
+                          </p:cTn>
+                        </p:par>
+                      </p:childTnLst>
+                    </p:cTn>
+                  </p:par>
+                </p:childTnLst>
+              </p:cTn>
+              <p:prevCondLst>
+                <p:cond evt="onPrev" delay="0">
+                  <p:tgtEl>
+                    <p:sldTgt/>
+                  </p:tgtEl>
+                </p:cond>
+              </p:prevCondLst>
+              <p:nextCondLst>
+                <p:cond evt="onNext" delay="0">
+                  <p:tgtEl>
+                    <p:sldTgt/>
+                  </p:tgtEl>
+                </p:cond>
+              </p:nextCondLst>
+            </p:seq>
+          </p:childTnLst>
+        </p:cTn>
       </p:par>
     </p:tnLst>
+    <p:bldLst>
+      <p:bldP spid="3" grpId="0" animBg="1"/>
+    </p:bldLst>
   </p:timing>
 </p:sld>
 </file>
@@ -23026,7 +23554,306 @@
   <p:timing>
     <p:tnLst>
       <p:par>
-        <p:cTn id="1" dur="indefinite" restart="never" nodeType="tmRoot"/>
+        <p:cTn id="1" dur="indefinite" restart="never" nodeType="tmRoot">
+          <p:childTnLst>
+            <p:seq concurrent="1" nextAc="seek">
+              <p:cTn id="2" dur="indefinite" nodeType="mainSeq">
+                <p:childTnLst>
+                  <p:par>
+                    <p:cTn id="3" fill="hold">
+                      <p:stCondLst>
+                        <p:cond delay="indefinite"/>
+                      </p:stCondLst>
+                      <p:childTnLst>
+                        <p:par>
+                          <p:cTn id="4" fill="hold">
+                            <p:stCondLst>
+                              <p:cond delay="0"/>
+                            </p:stCondLst>
+                            <p:childTnLst>
+                              <p:par>
+                                <p:cTn id="5" presetID="10" presetClass="entr" presetSubtype="0" fill="hold" nodeType="clickEffect">
+                                  <p:stCondLst>
+                                    <p:cond delay="0"/>
+                                  </p:stCondLst>
+                                  <p:childTnLst>
+                                    <p:set>
+                                      <p:cBhvr>
+                                        <p:cTn id="6" dur="1" fill="hold">
+                                          <p:stCondLst>
+                                            <p:cond delay="0"/>
+                                          </p:stCondLst>
+                                        </p:cTn>
+                                        <p:tgtEl>
+                                          <p:spTgt spid="4">
+                                            <p:txEl>
+                                              <p:pRg st="5" end="5"/>
+                                            </p:txEl>
+                                          </p:spTgt>
+                                        </p:tgtEl>
+                                        <p:attrNameLst>
+                                          <p:attrName>style.visibility</p:attrName>
+                                        </p:attrNameLst>
+                                      </p:cBhvr>
+                                      <p:to>
+                                        <p:strVal val="visible"/>
+                                      </p:to>
+                                    </p:set>
+                                    <p:animEffect transition="in" filter="fade">
+                                      <p:cBhvr>
+                                        <p:cTn id="7" dur="500"/>
+                                        <p:tgtEl>
+                                          <p:spTgt spid="4">
+                                            <p:txEl>
+                                              <p:pRg st="5" end="5"/>
+                                            </p:txEl>
+                                          </p:spTgt>
+                                        </p:tgtEl>
+                                      </p:cBhvr>
+                                    </p:animEffect>
+                                  </p:childTnLst>
+                                </p:cTn>
+                              </p:par>
+                              <p:par>
+                                <p:cTn id="8" presetID="10" presetClass="entr" presetSubtype="0" fill="hold" nodeType="withEffect">
+                                  <p:stCondLst>
+                                    <p:cond delay="0"/>
+                                  </p:stCondLst>
+                                  <p:childTnLst>
+                                    <p:set>
+                                      <p:cBhvr>
+                                        <p:cTn id="9" dur="1" fill="hold">
+                                          <p:stCondLst>
+                                            <p:cond delay="0"/>
+                                          </p:stCondLst>
+                                        </p:cTn>
+                                        <p:tgtEl>
+                                          <p:spTgt spid="4">
+                                            <p:txEl>
+                                              <p:pRg st="7" end="7"/>
+                                            </p:txEl>
+                                          </p:spTgt>
+                                        </p:tgtEl>
+                                        <p:attrNameLst>
+                                          <p:attrName>style.visibility</p:attrName>
+                                        </p:attrNameLst>
+                                      </p:cBhvr>
+                                      <p:to>
+                                        <p:strVal val="visible"/>
+                                      </p:to>
+                                    </p:set>
+                                    <p:animEffect transition="in" filter="fade">
+                                      <p:cBhvr>
+                                        <p:cTn id="10" dur="500"/>
+                                        <p:tgtEl>
+                                          <p:spTgt spid="4">
+                                            <p:txEl>
+                                              <p:pRg st="7" end="7"/>
+                                            </p:txEl>
+                                          </p:spTgt>
+                                        </p:tgtEl>
+                                      </p:cBhvr>
+                                    </p:animEffect>
+                                  </p:childTnLst>
+                                </p:cTn>
+                              </p:par>
+                              <p:par>
+                                <p:cTn id="11" presetID="10" presetClass="entr" presetSubtype="0" fill="hold" nodeType="withEffect">
+                                  <p:stCondLst>
+                                    <p:cond delay="0"/>
+                                  </p:stCondLst>
+                                  <p:childTnLst>
+                                    <p:set>
+                                      <p:cBhvr>
+                                        <p:cTn id="12" dur="1" fill="hold">
+                                          <p:stCondLst>
+                                            <p:cond delay="0"/>
+                                          </p:stCondLst>
+                                        </p:cTn>
+                                        <p:tgtEl>
+                                          <p:spTgt spid="4">
+                                            <p:txEl>
+                                              <p:pRg st="8" end="8"/>
+                                            </p:txEl>
+                                          </p:spTgt>
+                                        </p:tgtEl>
+                                        <p:attrNameLst>
+                                          <p:attrName>style.visibility</p:attrName>
+                                        </p:attrNameLst>
+                                      </p:cBhvr>
+                                      <p:to>
+                                        <p:strVal val="visible"/>
+                                      </p:to>
+                                    </p:set>
+                                    <p:animEffect transition="in" filter="fade">
+                                      <p:cBhvr>
+                                        <p:cTn id="13" dur="500"/>
+                                        <p:tgtEl>
+                                          <p:spTgt spid="4">
+                                            <p:txEl>
+                                              <p:pRg st="8" end="8"/>
+                                            </p:txEl>
+                                          </p:spTgt>
+                                        </p:tgtEl>
+                                      </p:cBhvr>
+                                    </p:animEffect>
+                                  </p:childTnLst>
+                                </p:cTn>
+                              </p:par>
+                              <p:par>
+                                <p:cTn id="14" presetID="10" presetClass="entr" presetSubtype="0" fill="hold" nodeType="withEffect">
+                                  <p:stCondLst>
+                                    <p:cond delay="0"/>
+                                  </p:stCondLst>
+                                  <p:childTnLst>
+                                    <p:set>
+                                      <p:cBhvr>
+                                        <p:cTn id="15" dur="1" fill="hold">
+                                          <p:stCondLst>
+                                            <p:cond delay="0"/>
+                                          </p:stCondLst>
+                                        </p:cTn>
+                                        <p:tgtEl>
+                                          <p:spTgt spid="4">
+                                            <p:txEl>
+                                              <p:pRg st="9" end="9"/>
+                                            </p:txEl>
+                                          </p:spTgt>
+                                        </p:tgtEl>
+                                        <p:attrNameLst>
+                                          <p:attrName>style.visibility</p:attrName>
+                                        </p:attrNameLst>
+                                      </p:cBhvr>
+                                      <p:to>
+                                        <p:strVal val="visible"/>
+                                      </p:to>
+                                    </p:set>
+                                    <p:animEffect transition="in" filter="fade">
+                                      <p:cBhvr>
+                                        <p:cTn id="16" dur="500"/>
+                                        <p:tgtEl>
+                                          <p:spTgt spid="4">
+                                            <p:txEl>
+                                              <p:pRg st="9" end="9"/>
+                                            </p:txEl>
+                                          </p:spTgt>
+                                        </p:tgtEl>
+                                      </p:cBhvr>
+                                    </p:animEffect>
+                                  </p:childTnLst>
+                                </p:cTn>
+                              </p:par>
+                              <p:par>
+                                <p:cTn id="17" presetID="10" presetClass="entr" presetSubtype="0" fill="hold" nodeType="withEffect">
+                                  <p:stCondLst>
+                                    <p:cond delay="0"/>
+                                  </p:stCondLst>
+                                  <p:childTnLst>
+                                    <p:set>
+                                      <p:cBhvr>
+                                        <p:cTn id="18" dur="1" fill="hold">
+                                          <p:stCondLst>
+                                            <p:cond delay="0"/>
+                                          </p:stCondLst>
+                                        </p:cTn>
+                                        <p:tgtEl>
+                                          <p:spTgt spid="4">
+                                            <p:txEl>
+                                              <p:pRg st="11" end="11"/>
+                                            </p:txEl>
+                                          </p:spTgt>
+                                        </p:tgtEl>
+                                        <p:attrNameLst>
+                                          <p:attrName>style.visibility</p:attrName>
+                                        </p:attrNameLst>
+                                      </p:cBhvr>
+                                      <p:to>
+                                        <p:strVal val="visible"/>
+                                      </p:to>
+                                    </p:set>
+                                    <p:animEffect transition="in" filter="fade">
+                                      <p:cBhvr>
+                                        <p:cTn id="19" dur="500"/>
+                                        <p:tgtEl>
+                                          <p:spTgt spid="4">
+                                            <p:txEl>
+                                              <p:pRg st="11" end="11"/>
+                                            </p:txEl>
+                                          </p:spTgt>
+                                        </p:tgtEl>
+                                      </p:cBhvr>
+                                    </p:animEffect>
+                                  </p:childTnLst>
+                                </p:cTn>
+                              </p:par>
+                              <p:par>
+                                <p:cTn id="20" presetID="10" presetClass="entr" presetSubtype="0" fill="hold" nodeType="withEffect">
+                                  <p:stCondLst>
+                                    <p:cond delay="0"/>
+                                  </p:stCondLst>
+                                  <p:childTnLst>
+                                    <p:set>
+                                      <p:cBhvr>
+                                        <p:cTn id="21" dur="1" fill="hold">
+                                          <p:stCondLst>
+                                            <p:cond delay="0"/>
+                                          </p:stCondLst>
+                                        </p:cTn>
+                                        <p:tgtEl>
+                                          <p:spTgt spid="4">
+                                            <p:txEl>
+                                              <p:pRg st="12" end="12"/>
+                                            </p:txEl>
+                                          </p:spTgt>
+                                        </p:tgtEl>
+                                        <p:attrNameLst>
+                                          <p:attrName>style.visibility</p:attrName>
+                                        </p:attrNameLst>
+                                      </p:cBhvr>
+                                      <p:to>
+                                        <p:strVal val="visible"/>
+                                      </p:to>
+                                    </p:set>
+                                    <p:animEffect transition="in" filter="fade">
+                                      <p:cBhvr>
+                                        <p:cTn id="22" dur="500"/>
+                                        <p:tgtEl>
+                                          <p:spTgt spid="4">
+                                            <p:txEl>
+                                              <p:pRg st="12" end="12"/>
+                                            </p:txEl>
+                                          </p:spTgt>
+                                        </p:tgtEl>
+                                      </p:cBhvr>
+                                    </p:animEffect>
+                                  </p:childTnLst>
+                                </p:cTn>
+                              </p:par>
+                            </p:childTnLst>
+                          </p:cTn>
+                        </p:par>
+                      </p:childTnLst>
+                    </p:cTn>
+                  </p:par>
+                </p:childTnLst>
+              </p:cTn>
+              <p:prevCondLst>
+                <p:cond evt="onPrev" delay="0">
+                  <p:tgtEl>
+                    <p:sldTgt/>
+                  </p:tgtEl>
+                </p:cond>
+              </p:prevCondLst>
+              <p:nextCondLst>
+                <p:cond evt="onNext" delay="0">
+                  <p:tgtEl>
+                    <p:sldTgt/>
+                  </p:tgtEl>
+                </p:cond>
+              </p:nextCondLst>
+            </p:seq>
+          </p:childTnLst>
+        </p:cTn>
       </p:par>
     </p:tnLst>
   </p:timing>

--- a/lectures/18.solid/Принципы SOLID1.pptx
+++ b/lectures/18.solid/Принципы SOLID1.pptx
@@ -5,7 +5,7 @@
     <p:sldMasterId id="2147483648" r:id="rId1"/>
   </p:sldMasterIdLst>
   <p:notesMasterIdLst>
-    <p:notesMasterId r:id="rId42"/>
+    <p:notesMasterId r:id="rId41"/>
   </p:notesMasterIdLst>
   <p:sldIdLst>
     <p:sldId id="256" r:id="rId2"/>
@@ -45,9 +45,8 @@
     <p:sldId id="316" r:id="rId36"/>
     <p:sldId id="306" r:id="rId37"/>
     <p:sldId id="259" r:id="rId38"/>
-    <p:sldId id="307" r:id="rId39"/>
-    <p:sldId id="285" r:id="rId40"/>
-    <p:sldId id="286" r:id="rId41"/>
+    <p:sldId id="285" r:id="rId39"/>
+    <p:sldId id="286" r:id="rId40"/>
   </p:sldIdLst>
   <p:sldSz cx="12192000" cy="6858000"/>
   <p:notesSz cx="6858000" cy="9144000"/>
@@ -273,7 +272,7 @@
           <a:p>
             <a:fld id="{1F452FF6-3607-4C4E-A116-BCC07DF7B9AE}" type="datetimeFigureOut">
               <a:rPr lang="ru-RU" smtClean="0"/>
-              <a:t>23.04.2019</a:t>
+              <a:t>06.05.2019</a:t>
             </a:fld>
             <a:endParaRPr lang="ru-RU"/>
           </a:p>
@@ -1427,11 +1426,7 @@
             </a:r>
             <a:r>
               <a:rPr lang="ru-RU" dirty="0" smtClean="0"/>
-              <a:t>Барбара Лисков - американский учёный в области информатики, </a:t>
-            </a:r>
-            <a:r>
-              <a:rPr lang="ru-RU" dirty="0" smtClean="0"/>
-              <a:t>исследователь проблемы</a:t>
+              <a:t>Барбара Лисков - американский учёный в области информатики, исследователь проблемы</a:t>
             </a:r>
             <a:r>
               <a:rPr lang="ru-RU" baseline="0" dirty="0" smtClean="0"/>
@@ -6354,31 +6349,8 @@
               <a:defRPr/>
             </a:pPr>
             <a:r>
-              <a:rPr lang="ru-RU" dirty="0" smtClean="0"/>
-              <a:t>Как вы думаете, следуют ли разработчики принципам S.O.L.I.D. при написании или изменении кода?</a:t>
-            </a:r>
-          </a:p>
-          <a:p>
-            <a:pPr marL="0" marR="0" indent="0" algn="l" defTabSz="914400" rtl="0" eaLnBrk="1" fontAlgn="auto" latinLnBrk="0" hangingPunct="1">
-              <a:lnSpc>
-                <a:spcPct val="100000"/>
-              </a:lnSpc>
-              <a:spcBef>
-                <a:spcPts val="0"/>
-              </a:spcBef>
-              <a:spcAft>
-                <a:spcPts val="0"/>
-              </a:spcAft>
-              <a:buClrTx/>
-              <a:buSzTx/>
-              <a:buFontTx/>
-              <a:buNone/>
-              <a:tabLst/>
-              <a:defRPr/>
-            </a:pPr>
-            <a:r>
-              <a:rPr lang="ru-RU" dirty="0" smtClean="0"/>
-              <a:t>… дальше по пунктам</a:t>
+              <a:rPr lang="ru-RU" baseline="0" dirty="0" smtClean="0"/>
+              <a:t>В ходе подготовки обсуждения были использованы следующие материалы</a:t>
             </a:r>
           </a:p>
         </p:txBody>
@@ -6409,7 +6381,7 @@
     </p:spTree>
     <p:extLst>
       <p:ext uri="{BB962C8B-B14F-4D97-AF65-F5344CB8AC3E}">
-        <p14:creationId xmlns:p14="http://schemas.microsoft.com/office/powerpoint/2010/main" val="3368551468"/>
+        <p14:creationId xmlns:p14="http://schemas.microsoft.com/office/powerpoint/2010/main" val="4050503523"/>
       </p:ext>
     </p:extLst>
   </p:cSld>
@@ -6463,26 +6435,17 @@
           <a:bodyPr/>
           <a:lstStyle/>
           <a:p>
-            <a:pPr marL="0" marR="0" indent="0" algn="l" defTabSz="914400" rtl="0" eaLnBrk="1" fontAlgn="auto" latinLnBrk="0" hangingPunct="1">
-              <a:lnSpc>
-                <a:spcPct val="100000"/>
-              </a:lnSpc>
-              <a:spcBef>
-                <a:spcPts val="0"/>
-              </a:spcBef>
-              <a:spcAft>
-                <a:spcPts val="0"/>
-              </a:spcAft>
-              <a:buClrTx/>
-              <a:buSzTx/>
-              <a:buFontTx/>
-              <a:buNone/>
-              <a:tabLst/>
-              <a:defRPr/>
-            </a:pPr>
+            <a:r>
+              <a:rPr lang="ru-RU" dirty="0" smtClean="0"/>
+              <a:t>Спасибо за внимание,</a:t>
+            </a:r>
             <a:r>
               <a:rPr lang="ru-RU" baseline="0" dirty="0" smtClean="0"/>
-              <a:t>В ходе подготовки обсуждения были использованы следующие материалы</a:t>
+              <a:t> </a:t>
+            </a:r>
+            <a:r>
+              <a:rPr lang="ru-RU" dirty="0" smtClean="0"/>
+              <a:t>обсуждение окончено. Я готов ответить на ваши вопросы.</a:t>
             </a:r>
           </a:p>
         </p:txBody>
@@ -6502,7 +6465,7 @@
           <a:bodyPr/>
           <a:lstStyle/>
           <a:p>
-            <a:fld id="{9BF0A773-BC3A-474D-8036-883A816F0F99}" type="slidenum">
+            <a:fld id="{A0B28B7E-B000-4596-AC62-77FFB0327B90}" type="slidenum">
               <a:rPr lang="ru-RU" smtClean="0"/>
               <a:t>39</a:t>
             </a:fld>
@@ -6513,7 +6476,7 @@
     </p:spTree>
     <p:extLst>
       <p:ext uri="{BB962C8B-B14F-4D97-AF65-F5344CB8AC3E}">
-        <p14:creationId xmlns:p14="http://schemas.microsoft.com/office/powerpoint/2010/main" val="4050503523"/>
+        <p14:creationId xmlns:p14="http://schemas.microsoft.com/office/powerpoint/2010/main" val="945403398"/>
       </p:ext>
     </p:extLst>
   </p:cSld>
@@ -6687,101 +6650,6 @@
     <p:extLst>
       <p:ext uri="{BB962C8B-B14F-4D97-AF65-F5344CB8AC3E}">
         <p14:creationId xmlns:p14="http://schemas.microsoft.com/office/powerpoint/2010/main" val="432884594"/>
-      </p:ext>
-    </p:extLst>
-  </p:cSld>
-  <p:clrMapOvr>
-    <a:masterClrMapping/>
-  </p:clrMapOvr>
-</p:notes>
-</file>
-
-<file path=ppt/notesSlides/notesSlide40.xml><?xml version="1.0" encoding="utf-8"?>
-<p:notes xmlns:a="http://schemas.openxmlformats.org/drawingml/2006/main" xmlns:r="http://schemas.openxmlformats.org/officeDocument/2006/relationships" xmlns:p="http://schemas.openxmlformats.org/presentationml/2006/main">
-  <p:cSld>
-    <p:spTree>
-      <p:nvGrpSpPr>
-        <p:cNvPr id="1" name=""/>
-        <p:cNvGrpSpPr/>
-        <p:nvPr/>
-      </p:nvGrpSpPr>
-      <p:grpSpPr>
-        <a:xfrm>
-          <a:off x="0" y="0"/>
-          <a:ext cx="0" cy="0"/>
-          <a:chOff x="0" y="0"/>
-          <a:chExt cx="0" cy="0"/>
-        </a:xfrm>
-      </p:grpSpPr>
-      <p:sp>
-        <p:nvSpPr>
-          <p:cNvPr id="2" name="Образ слайда 1"/>
-          <p:cNvSpPr>
-            <a:spLocks noGrp="1" noRot="1" noChangeAspect="1"/>
-          </p:cNvSpPr>
-          <p:nvPr>
-            <p:ph type="sldImg"/>
-          </p:nvPr>
-        </p:nvSpPr>
-        <p:spPr/>
-      </p:sp>
-      <p:sp>
-        <p:nvSpPr>
-          <p:cNvPr id="3" name="Заметки 2"/>
-          <p:cNvSpPr>
-            <a:spLocks noGrp="1"/>
-          </p:cNvSpPr>
-          <p:nvPr>
-            <p:ph type="body" idx="1"/>
-          </p:nvPr>
-        </p:nvSpPr>
-        <p:spPr/>
-        <p:txBody>
-          <a:bodyPr/>
-          <a:lstStyle/>
-          <a:p>
-            <a:r>
-              <a:rPr lang="ru-RU" dirty="0" smtClean="0"/>
-              <a:t>Спасибо за внимание,</a:t>
-            </a:r>
-            <a:r>
-              <a:rPr lang="ru-RU" baseline="0" dirty="0" smtClean="0"/>
-              <a:t> </a:t>
-            </a:r>
-            <a:r>
-              <a:rPr lang="ru-RU" dirty="0" smtClean="0"/>
-              <a:t>обсуждение окончено. Я готов ответить на ваши вопросы.</a:t>
-            </a:r>
-          </a:p>
-        </p:txBody>
-      </p:sp>
-      <p:sp>
-        <p:nvSpPr>
-          <p:cNvPr id="4" name="Номер слайда 3"/>
-          <p:cNvSpPr>
-            <a:spLocks noGrp="1"/>
-          </p:cNvSpPr>
-          <p:nvPr>
-            <p:ph type="sldNum" sz="quarter" idx="10"/>
-          </p:nvPr>
-        </p:nvSpPr>
-        <p:spPr/>
-        <p:txBody>
-          <a:bodyPr/>
-          <a:lstStyle/>
-          <a:p>
-            <a:fld id="{A0B28B7E-B000-4596-AC62-77FFB0327B90}" type="slidenum">
-              <a:rPr lang="ru-RU" smtClean="0"/>
-              <a:t>40</a:t>
-            </a:fld>
-            <a:endParaRPr lang="ru-RU"/>
-          </a:p>
-        </p:txBody>
-      </p:sp>
-    </p:spTree>
-    <p:extLst>
-      <p:ext uri="{BB962C8B-B14F-4D97-AF65-F5344CB8AC3E}">
-        <p14:creationId xmlns:p14="http://schemas.microsoft.com/office/powerpoint/2010/main" val="945403398"/>
       </p:ext>
     </p:extLst>
   </p:cSld>
@@ -7984,7 +7852,7 @@
           <a:p>
             <a:fld id="{955B8494-3BC4-476A-8180-C7D531D1BDE9}" type="datetime1">
               <a:rPr lang="ru-RU" smtClean="0"/>
-              <a:t>23.04.2019</a:t>
+              <a:t>06.05.2019</a:t>
             </a:fld>
             <a:endParaRPr lang="ru-RU"/>
           </a:p>
@@ -8154,7 +8022,7 @@
           <a:p>
             <a:fld id="{896BD083-5DC9-4DDD-99DA-87E972459BE3}" type="datetime1">
               <a:rPr lang="ru-RU" smtClean="0"/>
-              <a:t>23.04.2019</a:t>
+              <a:t>06.05.2019</a:t>
             </a:fld>
             <a:endParaRPr lang="ru-RU"/>
           </a:p>
@@ -8334,7 +8202,7 @@
           <a:p>
             <a:fld id="{B6EA1591-1064-4C12-A3F3-9E222C1602E4}" type="datetime1">
               <a:rPr lang="ru-RU" smtClean="0"/>
-              <a:t>23.04.2019</a:t>
+              <a:t>06.05.2019</a:t>
             </a:fld>
             <a:endParaRPr lang="ru-RU"/>
           </a:p>
@@ -8504,7 +8372,7 @@
           <a:p>
             <a:fld id="{3EADD36C-E1EE-433A-85C1-8AB557831B59}" type="datetime1">
               <a:rPr lang="ru-RU" smtClean="0"/>
-              <a:t>23.04.2019</a:t>
+              <a:t>06.05.2019</a:t>
             </a:fld>
             <a:endParaRPr lang="ru-RU"/>
           </a:p>
@@ -8750,7 +8618,7 @@
           <a:p>
             <a:fld id="{F1E52A6F-751B-4577-A656-6A26D16D5D73}" type="datetime1">
               <a:rPr lang="ru-RU" smtClean="0"/>
-              <a:t>23.04.2019</a:t>
+              <a:t>06.05.2019</a:t>
             </a:fld>
             <a:endParaRPr lang="ru-RU"/>
           </a:p>
@@ -8982,7 +8850,7 @@
           <a:p>
             <a:fld id="{89C84D38-0A16-4A00-84F3-995FB60A1A24}" type="datetime1">
               <a:rPr lang="ru-RU" smtClean="0"/>
-              <a:t>23.04.2019</a:t>
+              <a:t>06.05.2019</a:t>
             </a:fld>
             <a:endParaRPr lang="ru-RU"/>
           </a:p>
@@ -9349,7 +9217,7 @@
           <a:p>
             <a:fld id="{B111A698-E52A-4D93-9D0B-B26B973770CA}" type="datetime1">
               <a:rPr lang="ru-RU" smtClean="0"/>
-              <a:t>23.04.2019</a:t>
+              <a:t>06.05.2019</a:t>
             </a:fld>
             <a:endParaRPr lang="ru-RU"/>
           </a:p>
@@ -9467,7 +9335,7 @@
           <a:p>
             <a:fld id="{C0BCB9B2-13AF-492A-A8D5-A78E42E45C90}" type="datetime1">
               <a:rPr lang="ru-RU" smtClean="0"/>
-              <a:t>23.04.2019</a:t>
+              <a:t>06.05.2019</a:t>
             </a:fld>
             <a:endParaRPr lang="ru-RU"/>
           </a:p>
@@ -9562,7 +9430,7 @@
           <a:p>
             <a:fld id="{368E88DF-F7A1-4621-9321-DD92F290BCA2}" type="datetime1">
               <a:rPr lang="ru-RU" smtClean="0"/>
-              <a:t>23.04.2019</a:t>
+              <a:t>06.05.2019</a:t>
             </a:fld>
             <a:endParaRPr lang="ru-RU"/>
           </a:p>
@@ -9839,7 +9707,7 @@
           <a:p>
             <a:fld id="{B178670F-7223-45BA-8607-F009D6E07C98}" type="datetime1">
               <a:rPr lang="ru-RU" smtClean="0"/>
-              <a:t>23.04.2019</a:t>
+              <a:t>06.05.2019</a:t>
             </a:fld>
             <a:endParaRPr lang="ru-RU"/>
           </a:p>
@@ -10092,7 +9960,7 @@
           <a:p>
             <a:fld id="{0E94A463-41EE-4B69-9D4D-FCEF376903A8}" type="datetime1">
               <a:rPr lang="ru-RU" smtClean="0"/>
-              <a:t>23.04.2019</a:t>
+              <a:t>06.05.2019</a:t>
             </a:fld>
             <a:endParaRPr lang="ru-RU"/>
           </a:p>
@@ -10305,7 +10173,7 @@
           <a:p>
             <a:fld id="{A898E17F-A256-4882-B4AC-587C535C0026}" type="datetime1">
               <a:rPr lang="ru-RU" smtClean="0"/>
-              <a:t>23.04.2019</a:t>
+              <a:t>06.05.2019</a:t>
             </a:fld>
             <a:endParaRPr lang="ru-RU"/>
           </a:p>
@@ -21794,7 +21662,7 @@
       </p:grpSpPr>
       <p:sp>
         <p:nvSpPr>
-          <p:cNvPr id="2" name="Заголовок 1"/>
+          <p:cNvPr id="3" name="Заголовок 2"/>
           <p:cNvSpPr>
             <a:spLocks noGrp="1"/>
           </p:cNvSpPr>
@@ -21808,65 +21676,129 @@
           <a:lstStyle/>
           <a:p>
             <a:r>
+              <a:rPr lang="ru-RU" dirty="0" smtClean="0"/>
+              <a:t>Источники и дополнительные материалы</a:t>
+            </a:r>
+            <a:endParaRPr lang="ru-RU" dirty="0"/>
+          </a:p>
+        </p:txBody>
+      </p:sp>
+      <p:sp>
+        <p:nvSpPr>
+          <p:cNvPr id="4" name="Объект 3"/>
+          <p:cNvSpPr>
+            <a:spLocks noGrp="1"/>
+          </p:cNvSpPr>
+          <p:nvPr>
+            <p:ph idx="1"/>
+          </p:nvPr>
+        </p:nvSpPr>
+        <p:spPr/>
+        <p:txBody>
+          <a:bodyPr/>
+          <a:lstStyle/>
+          <a:p>
+            <a:r>
+              <a:rPr lang="ru-RU" dirty="0" smtClean="0"/>
+              <a:t>Книга Роберта Мартина «</a:t>
+            </a:r>
+            <a:r>
+              <a:rPr lang="en-US" dirty="0" smtClean="0"/>
+              <a:t>Clean </a:t>
+            </a:r>
+            <a:r>
+              <a:rPr lang="en-US" dirty="0"/>
+              <a:t>Architecture: A Craftsman's Guide to Software Structure and </a:t>
+            </a:r>
+            <a:r>
+              <a:rPr lang="en-US" dirty="0" smtClean="0"/>
+              <a:t>Design</a:t>
+            </a:r>
+            <a:r>
+              <a:rPr lang="ru-RU" dirty="0" smtClean="0"/>
+              <a:t>»</a:t>
+            </a:r>
+            <a:endParaRPr lang="en-US" dirty="0" smtClean="0"/>
+          </a:p>
+          <a:p>
+            <a:r>
               <a:rPr lang="ru-RU" dirty="0"/>
-              <a:t>Следование принципам S.O.L.I.D. в </a:t>
-            </a:r>
-            <a:r>
-              <a:rPr lang="ru-RU" dirty="0" err="1" smtClean="0"/>
-              <a:t>iSpring</a:t>
-            </a:r>
-            <a:endParaRPr lang="ru-RU" dirty="0"/>
-          </a:p>
-        </p:txBody>
-      </p:sp>
-      <p:sp>
-        <p:nvSpPr>
-          <p:cNvPr id="3" name="Объект 2"/>
-          <p:cNvSpPr>
-            <a:spLocks noGrp="1"/>
-          </p:cNvSpPr>
-          <p:nvPr>
-            <p:ph idx="1"/>
-          </p:nvPr>
-        </p:nvSpPr>
-        <p:spPr/>
-        <p:txBody>
-          <a:bodyPr/>
-          <a:lstStyle/>
-          <a:p>
+              <a:t>Принципы проектирования классов (</a:t>
+            </a:r>
+            <a:r>
+              <a:rPr lang="en-US" dirty="0"/>
+              <a:t>S.O.L.I.D.)</a:t>
+            </a:r>
             <a:r>
               <a:rPr lang="ru-RU" dirty="0" smtClean="0"/>
-              <a:t>Следуют ли наши разработчики </a:t>
-            </a:r>
-            <a:r>
-              <a:rPr lang="ru-RU" dirty="0"/>
-              <a:t>принципам S.O.L.I.D</a:t>
-            </a:r>
+              <a:t> </a:t>
+            </a:r>
+            <a:r>
+              <a:rPr lang="en-US" dirty="0" smtClean="0">
+                <a:hlinkClick r:id="rId3"/>
+              </a:rPr>
+              <a:t>https</a:t>
+            </a:r>
+            <a:r>
+              <a:rPr lang="en-US" dirty="0">
+                <a:hlinkClick r:id="rId3"/>
+              </a:rPr>
+              <a:t>://</a:t>
+            </a:r>
+            <a:r>
+              <a:rPr lang="en-US" dirty="0" smtClean="0">
+                <a:hlinkClick r:id="rId3"/>
+              </a:rPr>
+              <a:t>blog.byndyu.ru/2009/10/solid.html</a:t>
+            </a:r>
+            <a:endParaRPr lang="ru-RU" dirty="0" smtClean="0"/>
+          </a:p>
+          <a:p>
             <a:r>
               <a:rPr lang="ru-RU" dirty="0" smtClean="0"/>
-              <a:t>. </a:t>
-            </a:r>
-            <a:r>
-              <a:rPr lang="ru-RU" dirty="0"/>
-              <a:t>п</a:t>
+              <a:t>Презентация «Принципы </a:t>
+            </a:r>
+            <a:r>
+              <a:rPr lang="en-US" dirty="0" smtClean="0"/>
+              <a:t>S.O.L.I.D.</a:t>
             </a:r>
             <a:r>
               <a:rPr lang="ru-RU" dirty="0" smtClean="0"/>
-              <a:t>ри написании или изменении кода?</a:t>
-            </a:r>
-          </a:p>
-          <a:p>
+              <a:t>»</a:t>
+            </a:r>
+            <a:r>
+              <a:rPr lang="en-US" dirty="0" smtClean="0"/>
+              <a:t>:</a:t>
+            </a:r>
             <a:r>
               <a:rPr lang="ru-RU" dirty="0" smtClean="0"/>
-              <a:t>Какие есть нарушения в кодовой базе?</a:t>
-            </a:r>
-            <a:endParaRPr lang="ru-RU" dirty="0"/>
-          </a:p>
-        </p:txBody>
-      </p:sp>
-      <p:sp>
-        <p:nvSpPr>
-          <p:cNvPr id="4" name="Номер слайда 3"/>
+              <a:t> </a:t>
+            </a:r>
+            <a:r>
+              <a:rPr lang="en-US" dirty="0" smtClean="0">
+                <a:hlinkClick r:id="rId4"/>
+              </a:rPr>
+              <a:t>https</a:t>
+            </a:r>
+            <a:r>
+              <a:rPr lang="en-US" dirty="0">
+                <a:hlinkClick r:id="rId4"/>
+              </a:rPr>
+              <a:t>://</a:t>
+            </a:r>
+            <a:r>
+              <a:rPr lang="en-US" dirty="0" smtClean="0">
+                <a:hlinkClick r:id="rId4"/>
+              </a:rPr>
+              <a:t>github.com/alexey-malov/ood</a:t>
+            </a:r>
+            <a:endParaRPr lang="en-US" dirty="0" smtClean="0"/>
+          </a:p>
+        </p:txBody>
+      </p:sp>
+      <p:sp>
+        <p:nvSpPr>
+          <p:cNvPr id="2" name="Номер слайда 1"/>
           <p:cNvSpPr>
             <a:spLocks noGrp="1"/>
           </p:cNvSpPr>
@@ -21890,7 +21822,7 @@
     </p:spTree>
     <p:extLst>
       <p:ext uri="{BB962C8B-B14F-4D97-AF65-F5344CB8AC3E}">
-        <p14:creationId xmlns:p14="http://schemas.microsoft.com/office/powerpoint/2010/main" val="1366445748"/>
+        <p14:creationId xmlns:p14="http://schemas.microsoft.com/office/powerpoint/2010/main" val="2371115371"/>
       </p:ext>
     </p:extLst>
   </p:cSld>
@@ -21926,7 +21858,7 @@
       </p:grpSpPr>
       <p:sp>
         <p:nvSpPr>
-          <p:cNvPr id="3" name="Заголовок 2"/>
+          <p:cNvPr id="5" name="Заголовок 4"/>
           <p:cNvSpPr>
             <a:spLocks noGrp="1"/>
           </p:cNvSpPr>
@@ -21941,7 +21873,26 @@
           <a:p>
             <a:r>
               <a:rPr lang="ru-RU" dirty="0" smtClean="0"/>
-              <a:t>Источники и дополнительные материалы</a:t>
+              <a:t>Спасибо за внимание</a:t>
+            </a:r>
+            <a:r>
+              <a:rPr lang="en-US" dirty="0" smtClean="0"/>
+              <a:t>!</a:t>
+            </a:r>
+            <a:r>
+              <a:rPr lang="ru-RU" dirty="0"/>
+              <a:t/>
+            </a:r>
+            <a:br>
+              <a:rPr lang="ru-RU" dirty="0"/>
+            </a:br>
+            <a:r>
+              <a:rPr lang="ru-RU" dirty="0"/>
+              <a:t>Вопросы</a:t>
+            </a:r>
+            <a:r>
+              <a:rPr lang="ru-RU" dirty="0" smtClean="0"/>
+              <a:t>?</a:t>
             </a:r>
             <a:endParaRPr lang="ru-RU" dirty="0"/>
           </a:p>
@@ -21949,12 +21900,12 @@
       </p:sp>
       <p:sp>
         <p:nvSpPr>
-          <p:cNvPr id="4" name="Объект 3"/>
+          <p:cNvPr id="6" name="Текст 5"/>
           <p:cNvSpPr>
             <a:spLocks noGrp="1"/>
           </p:cNvSpPr>
           <p:nvPr>
-            <p:ph idx="1"/>
+            <p:ph type="body" idx="1"/>
           </p:nvPr>
         </p:nvSpPr>
         <p:spPr/>
@@ -21962,107 +21913,13 @@
           <a:bodyPr/>
           <a:lstStyle/>
           <a:p>
-            <a:r>
-              <a:rPr lang="ru-RU" dirty="0" smtClean="0"/>
-              <a:t>Книга Роберта Мартина «</a:t>
-            </a:r>
-            <a:r>
-              <a:rPr lang="en-US" dirty="0" smtClean="0"/>
-              <a:t>Clean </a:t>
-            </a:r>
-            <a:r>
-              <a:rPr lang="en-US" dirty="0"/>
-              <a:t>Architecture: A Craftsman's Guide to Software Structure and </a:t>
-            </a:r>
-            <a:r>
-              <a:rPr lang="en-US" dirty="0" smtClean="0"/>
-              <a:t>Design</a:t>
-            </a:r>
-            <a:r>
-              <a:rPr lang="ru-RU" dirty="0" smtClean="0"/>
-              <a:t>»</a:t>
-            </a:r>
-            <a:endParaRPr lang="en-US" dirty="0" smtClean="0"/>
-          </a:p>
-          <a:p>
-            <a:r>
-              <a:rPr lang="ru-RU" dirty="0"/>
-              <a:t>Принципы проектирования классов (</a:t>
-            </a:r>
-            <a:r>
-              <a:rPr lang="en-US" dirty="0"/>
-              <a:t>S.O.L.I.D.)</a:t>
-            </a:r>
-            <a:r>
-              <a:rPr lang="ru-RU" dirty="0" smtClean="0"/>
-              <a:t> </a:t>
-            </a:r>
-            <a:r>
-              <a:rPr lang="en-US" dirty="0" smtClean="0">
-                <a:hlinkClick r:id="rId3"/>
-              </a:rPr>
-              <a:t>https</a:t>
-            </a:r>
-            <a:r>
-              <a:rPr lang="en-US" dirty="0">
-                <a:hlinkClick r:id="rId3"/>
-              </a:rPr>
-              <a:t>://</a:t>
-            </a:r>
-            <a:r>
-              <a:rPr lang="en-US" dirty="0" smtClean="0">
-                <a:hlinkClick r:id="rId3"/>
-              </a:rPr>
-              <a:t>blog.byndyu.ru/2009/10/solid.html</a:t>
-            </a:r>
-            <a:endParaRPr lang="ru-RU" dirty="0" smtClean="0"/>
-          </a:p>
-          <a:p>
-            <a:r>
-              <a:rPr lang="ru-RU" dirty="0" smtClean="0"/>
-              <a:t>Презентация «Принципы </a:t>
-            </a:r>
-            <a:r>
-              <a:rPr lang="en-US" dirty="0" smtClean="0"/>
-              <a:t>S.O.L.I.D.</a:t>
-            </a:r>
-            <a:r>
-              <a:rPr lang="ru-RU" dirty="0" smtClean="0"/>
-              <a:t>»</a:t>
-            </a:r>
-            <a:r>
-              <a:rPr lang="en-US" dirty="0" smtClean="0"/>
-              <a:t>:</a:t>
-            </a:r>
-            <a:r>
-              <a:rPr lang="ru-RU" dirty="0" smtClean="0"/>
-              <a:t> </a:t>
-            </a:r>
-            <a:r>
-              <a:rPr lang="en-US" dirty="0" smtClean="0">
-                <a:hlinkClick r:id="rId4"/>
-              </a:rPr>
-              <a:t>https</a:t>
-            </a:r>
-            <a:r>
-              <a:rPr lang="en-US" dirty="0">
-                <a:hlinkClick r:id="rId4"/>
-              </a:rPr>
-              <a:t>://</a:t>
-            </a:r>
-            <a:r>
-              <a:rPr lang="en-US" dirty="0" smtClean="0">
-                <a:hlinkClick r:id="rId4"/>
-              </a:rPr>
-              <a:t>github.com/alexey-malov/ood</a:t>
-            </a:r>
-            <a:endParaRPr lang="en-US" dirty="0" smtClean="0"/>
-          </a:p>
-        </p:txBody>
-      </p:sp>
-      <p:sp>
-        <p:nvSpPr>
-          <p:cNvPr id="2" name="Номер слайда 1"/>
+            <a:endParaRPr lang="ru-RU" dirty="0"/>
+          </a:p>
+        </p:txBody>
+      </p:sp>
+      <p:sp>
+        <p:nvSpPr>
+          <p:cNvPr id="4" name="Номер слайда 3"/>
           <p:cNvSpPr>
             <a:spLocks noGrp="1"/>
           </p:cNvSpPr>
@@ -22075,18 +21932,18 @@
           <a:bodyPr/>
           <a:lstStyle/>
           <a:p>
-            <a:fld id="{CF8E6F4D-2E97-47CB-8591-066566E4FE4D}" type="slidenum">
+            <a:fld id="{101F0F8D-F427-43AD-B726-FB6E0A046F58}" type="slidenum">
               <a:rPr lang="ru-RU" smtClean="0"/>
               <a:t>39</a:t>
             </a:fld>
-            <a:endParaRPr lang="ru-RU"/>
+            <a:endParaRPr lang="ru-RU" dirty="0"/>
           </a:p>
         </p:txBody>
       </p:sp>
     </p:spTree>
     <p:extLst>
       <p:ext uri="{BB962C8B-B14F-4D97-AF65-F5344CB8AC3E}">
-        <p14:creationId xmlns:p14="http://schemas.microsoft.com/office/powerpoint/2010/main" val="2371115371"/>
+        <p14:creationId xmlns:p14="http://schemas.microsoft.com/office/powerpoint/2010/main" val="448580659"/>
       </p:ext>
     </p:extLst>
   </p:cSld>
@@ -22461,127 +22318,6 @@
     <p:bldLst>
       <p:bldP spid="3" grpId="0" uiExpand="1" build="p"/>
     </p:bldLst>
-  </p:timing>
-</p:sld>
-</file>
-
-<file path=ppt/slides/slide40.xml><?xml version="1.0" encoding="utf-8"?>
-<p:sld xmlns:a="http://schemas.openxmlformats.org/drawingml/2006/main" xmlns:r="http://schemas.openxmlformats.org/officeDocument/2006/relationships" xmlns:p="http://schemas.openxmlformats.org/presentationml/2006/main">
-  <p:cSld>
-    <p:spTree>
-      <p:nvGrpSpPr>
-        <p:cNvPr id="1" name=""/>
-        <p:cNvGrpSpPr/>
-        <p:nvPr/>
-      </p:nvGrpSpPr>
-      <p:grpSpPr>
-        <a:xfrm>
-          <a:off x="0" y="0"/>
-          <a:ext cx="0" cy="0"/>
-          <a:chOff x="0" y="0"/>
-          <a:chExt cx="0" cy="0"/>
-        </a:xfrm>
-      </p:grpSpPr>
-      <p:sp>
-        <p:nvSpPr>
-          <p:cNvPr id="5" name="Заголовок 4"/>
-          <p:cNvSpPr>
-            <a:spLocks noGrp="1"/>
-          </p:cNvSpPr>
-          <p:nvPr>
-            <p:ph type="title"/>
-          </p:nvPr>
-        </p:nvSpPr>
-        <p:spPr/>
-        <p:txBody>
-          <a:bodyPr/>
-          <a:lstStyle/>
-          <a:p>
-            <a:r>
-              <a:rPr lang="ru-RU" dirty="0" smtClean="0"/>
-              <a:t>Спасибо за внимание</a:t>
-            </a:r>
-            <a:r>
-              <a:rPr lang="en-US" dirty="0" smtClean="0"/>
-              <a:t>!</a:t>
-            </a:r>
-            <a:r>
-              <a:rPr lang="ru-RU" dirty="0"/>
-              <a:t/>
-            </a:r>
-            <a:br>
-              <a:rPr lang="ru-RU" dirty="0"/>
-            </a:br>
-            <a:r>
-              <a:rPr lang="ru-RU" dirty="0"/>
-              <a:t>Вопросы</a:t>
-            </a:r>
-            <a:r>
-              <a:rPr lang="ru-RU" dirty="0" smtClean="0"/>
-              <a:t>?</a:t>
-            </a:r>
-            <a:endParaRPr lang="ru-RU" dirty="0"/>
-          </a:p>
-        </p:txBody>
-      </p:sp>
-      <p:sp>
-        <p:nvSpPr>
-          <p:cNvPr id="6" name="Текст 5"/>
-          <p:cNvSpPr>
-            <a:spLocks noGrp="1"/>
-          </p:cNvSpPr>
-          <p:nvPr>
-            <p:ph type="body" idx="1"/>
-          </p:nvPr>
-        </p:nvSpPr>
-        <p:spPr/>
-        <p:txBody>
-          <a:bodyPr/>
-          <a:lstStyle/>
-          <a:p>
-            <a:endParaRPr lang="ru-RU" dirty="0"/>
-          </a:p>
-        </p:txBody>
-      </p:sp>
-      <p:sp>
-        <p:nvSpPr>
-          <p:cNvPr id="4" name="Номер слайда 3"/>
-          <p:cNvSpPr>
-            <a:spLocks noGrp="1"/>
-          </p:cNvSpPr>
-          <p:nvPr>
-            <p:ph type="sldNum" sz="quarter" idx="12"/>
-          </p:nvPr>
-        </p:nvSpPr>
-        <p:spPr/>
-        <p:txBody>
-          <a:bodyPr/>
-          <a:lstStyle/>
-          <a:p>
-            <a:fld id="{101F0F8D-F427-43AD-B726-FB6E0A046F58}" type="slidenum">
-              <a:rPr lang="ru-RU" smtClean="0"/>
-              <a:t>40</a:t>
-            </a:fld>
-            <a:endParaRPr lang="ru-RU" dirty="0"/>
-          </a:p>
-        </p:txBody>
-      </p:sp>
-    </p:spTree>
-    <p:extLst>
-      <p:ext uri="{BB962C8B-B14F-4D97-AF65-F5344CB8AC3E}">
-        <p14:creationId xmlns:p14="http://schemas.microsoft.com/office/powerpoint/2010/main" val="448580659"/>
-      </p:ext>
-    </p:extLst>
-  </p:cSld>
-  <p:clrMapOvr>
-    <a:masterClrMapping/>
-  </p:clrMapOvr>
-  <p:timing>
-    <p:tnLst>
-      <p:par>
-        <p:cTn id="1" dur="indefinite" restart="never" nodeType="tmRoot"/>
-      </p:par>
-    </p:tnLst>
   </p:timing>
 </p:sld>
 </file>
